--- a/图解/图.pptx
+++ b/图解/图.pptx
@@ -273,7 +273,7 @@
           <a:p>
             <a:fld id="{1F15F202-61BE-4084-9100-B70216D627EA}" type="datetimeFigureOut">
               <a:rPr lang="zh-CN" altLang="en-US" smtClean="0"/>
-              <a:t>2020/9/13</a:t>
+              <a:t>2021/5/23</a:t>
             </a:fld>
             <a:endParaRPr lang="zh-CN" altLang="en-US"/>
           </a:p>
@@ -471,7 +471,7 @@
           <a:p>
             <a:fld id="{1F15F202-61BE-4084-9100-B70216D627EA}" type="datetimeFigureOut">
               <a:rPr lang="zh-CN" altLang="en-US" smtClean="0"/>
-              <a:t>2020/9/13</a:t>
+              <a:t>2021/5/23</a:t>
             </a:fld>
             <a:endParaRPr lang="zh-CN" altLang="en-US"/>
           </a:p>
@@ -679,7 +679,7 @@
           <a:p>
             <a:fld id="{1F15F202-61BE-4084-9100-B70216D627EA}" type="datetimeFigureOut">
               <a:rPr lang="zh-CN" altLang="en-US" smtClean="0"/>
-              <a:t>2020/9/13</a:t>
+              <a:t>2021/5/23</a:t>
             </a:fld>
             <a:endParaRPr lang="zh-CN" altLang="en-US"/>
           </a:p>
@@ -877,7 +877,7 @@
           <a:p>
             <a:fld id="{1F15F202-61BE-4084-9100-B70216D627EA}" type="datetimeFigureOut">
               <a:rPr lang="zh-CN" altLang="en-US" smtClean="0"/>
-              <a:t>2020/9/13</a:t>
+              <a:t>2021/5/23</a:t>
             </a:fld>
             <a:endParaRPr lang="zh-CN" altLang="en-US"/>
           </a:p>
@@ -1152,7 +1152,7 @@
           <a:p>
             <a:fld id="{1F15F202-61BE-4084-9100-B70216D627EA}" type="datetimeFigureOut">
               <a:rPr lang="zh-CN" altLang="en-US" smtClean="0"/>
-              <a:t>2020/9/13</a:t>
+              <a:t>2021/5/23</a:t>
             </a:fld>
             <a:endParaRPr lang="zh-CN" altLang="en-US"/>
           </a:p>
@@ -1417,7 +1417,7 @@
           <a:p>
             <a:fld id="{1F15F202-61BE-4084-9100-B70216D627EA}" type="datetimeFigureOut">
               <a:rPr lang="zh-CN" altLang="en-US" smtClean="0"/>
-              <a:t>2020/9/13</a:t>
+              <a:t>2021/5/23</a:t>
             </a:fld>
             <a:endParaRPr lang="zh-CN" altLang="en-US"/>
           </a:p>
@@ -1829,7 +1829,7 @@
           <a:p>
             <a:fld id="{1F15F202-61BE-4084-9100-B70216D627EA}" type="datetimeFigureOut">
               <a:rPr lang="zh-CN" altLang="en-US" smtClean="0"/>
-              <a:t>2020/9/13</a:t>
+              <a:t>2021/5/23</a:t>
             </a:fld>
             <a:endParaRPr lang="zh-CN" altLang="en-US"/>
           </a:p>
@@ -1970,7 +1970,7 @@
           <a:p>
             <a:fld id="{1F15F202-61BE-4084-9100-B70216D627EA}" type="datetimeFigureOut">
               <a:rPr lang="zh-CN" altLang="en-US" smtClean="0"/>
-              <a:t>2020/9/13</a:t>
+              <a:t>2021/5/23</a:t>
             </a:fld>
             <a:endParaRPr lang="zh-CN" altLang="en-US"/>
           </a:p>
@@ -2083,7 +2083,7 @@
           <a:p>
             <a:fld id="{1F15F202-61BE-4084-9100-B70216D627EA}" type="datetimeFigureOut">
               <a:rPr lang="zh-CN" altLang="en-US" smtClean="0"/>
-              <a:t>2020/9/13</a:t>
+              <a:t>2021/5/23</a:t>
             </a:fld>
             <a:endParaRPr lang="zh-CN" altLang="en-US"/>
           </a:p>
@@ -2394,7 +2394,7 @@
           <a:p>
             <a:fld id="{1F15F202-61BE-4084-9100-B70216D627EA}" type="datetimeFigureOut">
               <a:rPr lang="zh-CN" altLang="en-US" smtClean="0"/>
-              <a:t>2020/9/13</a:t>
+              <a:t>2021/5/23</a:t>
             </a:fld>
             <a:endParaRPr lang="zh-CN" altLang="en-US"/>
           </a:p>
@@ -2682,7 +2682,7 @@
           <a:p>
             <a:fld id="{1F15F202-61BE-4084-9100-B70216D627EA}" type="datetimeFigureOut">
               <a:rPr lang="zh-CN" altLang="en-US" smtClean="0"/>
-              <a:t>2020/9/13</a:t>
+              <a:t>2021/5/23</a:t>
             </a:fld>
             <a:endParaRPr lang="zh-CN" altLang="en-US"/>
           </a:p>
@@ -2923,7 +2923,7 @@
           <a:p>
             <a:fld id="{1F15F202-61BE-4084-9100-B70216D627EA}" type="datetimeFigureOut">
               <a:rPr lang="zh-CN" altLang="en-US" smtClean="0"/>
-              <a:t>2020/9/13</a:t>
+              <a:t>2021/5/23</a:t>
             </a:fld>
             <a:endParaRPr lang="zh-CN" altLang="en-US"/>
           </a:p>
@@ -4578,7 +4578,7 @@
           <a:p>
             <a:r>
               <a:rPr lang="en-US" altLang="zh-CN" sz="1200" dirty="0"/>
-              <a:t>size=2</a:t>
+              <a:t>size=3</a:t>
             </a:r>
             <a:endParaRPr lang="zh-CN" altLang="en-US" sz="1200" dirty="0"/>
           </a:p>
@@ -5511,8 +5511,8 @@
           <a:lstStyle/>
           <a:p>
             <a:r>
-              <a:rPr lang="en-US" altLang="zh-CN" sz="1200" dirty="0"/>
-              <a:t>size=2</a:t>
+              <a:rPr lang="en-US" altLang="zh-CN" sz="1200"/>
+              <a:t>size=3</a:t>
             </a:r>
             <a:endParaRPr lang="zh-CN" altLang="en-US" sz="1200" dirty="0"/>
           </a:p>
